--- a/Tasks/py_exam_2.pptx
+++ b/Tasks/py_exam_2.pptx
@@ -1836,7 +1836,7 @@
           <a:blip r:embed="rId2">
             <a:lum/>
           </a:blip>
-          <a:srcRect l="0" t="-39759" r="-28057" b="0"/>
+          <a:srcRect l="0" t="-39759" r="-28056" b="0"/>
           <a:stretch/>
         </a:blipFill>
       </p:bgPr>
@@ -2226,7 +2226,7 @@
           <a:blip r:embed="rId2">
             <a:lum/>
           </a:blip>
-          <a:srcRect l="0" t="-14529" r="-35897" b="0"/>
+          <a:srcRect l="0" t="-14529" r="-35896" b="0"/>
           <a:stretch/>
         </a:blipFill>
       </p:bgPr>
@@ -7168,7 +7168,7 @@
           <a:blip r:embed="rId2">
             <a:lum/>
           </a:blip>
-          <a:srcRect l="0" t="0" r="-14529" b="0"/>
+          <a:srcRect l="0" t="0" r="-14528" b="0"/>
           <a:stretch/>
         </a:blipFill>
       </p:bgPr>
@@ -7306,7 +7306,7 @@
           <a:blip r:embed="rId2">
             <a:lum/>
           </a:blip>
-          <a:srcRect l="0" t="0" r="-14529" b="0"/>
+          <a:srcRect l="0" t="0" r="-14528" b="0"/>
           <a:stretch/>
         </a:blipFill>
       </p:bgPr>
@@ -8285,7 +8285,7 @@
           <a:blip r:embed="rId29">
             <a:lum/>
           </a:blip>
-          <a:srcRect l="0" t="0" r="-14529" b="0"/>
+          <a:srcRect l="0" t="0" r="-14528" b="0"/>
           <a:stretch/>
         </a:blipFill>
       </p:bgPr>
@@ -9532,7 +9532,115 @@
                 </a:solidFill>
                 <a:latin typeface="+mn-lt"/>
               </a:rPr>
-              <a:t>Создайте класс User, в котором будут следующие поля: name (имя), age (возраст), методы setName, getName, setAge, getAge. Создайте класс Worker, который наследуется от класса User и имеет дополнительное поле salary (зарплата), а также методы getSalary и setSalary. Создайте объект этого класса name='John', age=25, salary=1000. Создайте второй объект этого класса 'Jack', age=26, salary=2000. Найдите сумму зарплат объектов John и Jack. (3 балла)</a:t>
+              <a:t>Создайте класс User, в котором будут следующие поля: name (имя), age (возраст), методы set_</a:t>
+            </a:r>
+            <a:r>
+              <a:rPr lang="en-US" sz="2000">
+                <a:solidFill>
+                  <a:srgbClr val="002060"/>
+                </a:solidFill>
+                <a:latin typeface="Calibri"/>
+              </a:rPr>
+              <a:t>n</a:t>
+            </a:r>
+            <a:r>
+              <a:rPr lang="ru-RU" sz="2000">
+                <a:solidFill>
+                  <a:srgbClr val="002060"/>
+                </a:solidFill>
+                <a:latin typeface="Calibri"/>
+              </a:rPr>
+              <a:t>ame, get</a:t>
+            </a:r>
+            <a:r>
+              <a:rPr lang="en-US" sz="2000">
+                <a:solidFill>
+                  <a:srgbClr val="002060"/>
+                </a:solidFill>
+                <a:latin typeface="Calibri"/>
+              </a:rPr>
+              <a:t>_n</a:t>
+            </a:r>
+            <a:r>
+              <a:rPr lang="ru-RU" sz="2000">
+                <a:solidFill>
+                  <a:srgbClr val="002060"/>
+                </a:solidFill>
+                <a:latin typeface="Calibri"/>
+              </a:rPr>
+              <a:t>ame, set</a:t>
+            </a:r>
+            <a:r>
+              <a:rPr lang="en-US" sz="2000">
+                <a:solidFill>
+                  <a:srgbClr val="002060"/>
+                </a:solidFill>
+                <a:latin typeface="Calibri"/>
+              </a:rPr>
+              <a:t>_a</a:t>
+            </a:r>
+            <a:r>
+              <a:rPr lang="ru-RU" sz="2000">
+                <a:solidFill>
+                  <a:srgbClr val="002060"/>
+                </a:solidFill>
+                <a:latin typeface="Calibri"/>
+              </a:rPr>
+              <a:t>ge, get</a:t>
+            </a:r>
+            <a:r>
+              <a:rPr lang="en-US" sz="2000">
+                <a:solidFill>
+                  <a:srgbClr val="002060"/>
+                </a:solidFill>
+                <a:latin typeface="Calibri"/>
+              </a:rPr>
+              <a:t>_a</a:t>
+            </a:r>
+            <a:r>
+              <a:rPr lang="ru-RU" sz="2000">
+                <a:solidFill>
+                  <a:srgbClr val="002060"/>
+                </a:solidFill>
+                <a:latin typeface="Calibri"/>
+              </a:rPr>
+              <a:t>ge. Создайте класс Worker, который наследуется от класса User и имеет дополнительное поле salary (зарплата), а также методы get</a:t>
+            </a:r>
+            <a:r>
+              <a:rPr lang="en-US" sz="2000">
+                <a:solidFill>
+                  <a:srgbClr val="002060"/>
+                </a:solidFill>
+                <a:latin typeface="Calibri"/>
+              </a:rPr>
+              <a:t>_s</a:t>
+            </a:r>
+            <a:r>
+              <a:rPr lang="ru-RU" sz="2000">
+                <a:solidFill>
+                  <a:srgbClr val="002060"/>
+                </a:solidFill>
+                <a:latin typeface="Calibri"/>
+              </a:rPr>
+              <a:t>alary и set</a:t>
+            </a:r>
+            <a:r>
+              <a:rPr lang="en-US" sz="2000">
+                <a:solidFill>
+                  <a:srgbClr val="002060"/>
+                </a:solidFill>
+                <a:latin typeface="Calibri"/>
+              </a:rPr>
+              <a:t>_s</a:t>
+            </a:r>
+            <a:r>
+              <a:rPr lang="ru-RU" sz="2000">
+                <a:solidFill>
+                  <a:srgbClr val="002060"/>
+                </a:solidFill>
+                <a:latin typeface="Calibri"/>
+              </a:rPr>
+              <a:t>alary. Создайте объект этого класса name='John', age=25, salary=1000. Создайте второй объект этого класса 'Jack', age=26, salary=2000. Найдите сумму зарплат объектов John и Jack. (3 балла)</a:t>
             </a:r>
             <a:endParaRPr/>
           </a:p>
